--- a/0-varios/Archivos-Office/Desarrollo web Teovisión.pptx
+++ b/0-varios/Archivos-Office/Desarrollo web Teovisión.pptx
@@ -3066,7 +3066,7 @@
           <a:p>
             <a:fld id="{15A53EF2-857A-475A-B989-D621464FC5FE}" type="datetimeFigureOut">
               <a:rPr lang="es-AR" smtClean="0"/>
-              <a:t>25/nov.22</a:t>
+              <a:t>29/nov.22</a:t>
             </a:fld>
             <a:endParaRPr lang="es-AR"/>
           </a:p>
@@ -3593,7 +3593,7 @@
           <a:p>
             <a:fld id="{61A29766-F8F1-40A0-9012-1D6D854DEF19}" type="datetime1">
               <a:rPr lang="es-AR" smtClean="0"/>
-              <a:t>25/nov.22</a:t>
+              <a:t>29/nov.22</a:t>
             </a:fld>
             <a:endParaRPr lang="es-AR"/>
           </a:p>
@@ -3773,7 +3773,7 @@
           <a:p>
             <a:fld id="{AE6B27E4-E037-4417-BAA1-4EA2285D12B1}" type="datetime1">
               <a:rPr lang="es-AR" smtClean="0"/>
-              <a:t>25/nov.22</a:t>
+              <a:t>29/nov.22</a:t>
             </a:fld>
             <a:endParaRPr lang="es-AR"/>
           </a:p>
@@ -3953,7 +3953,7 @@
           <a:p>
             <a:fld id="{06E9FD0F-B1A3-4BFC-9B6C-EFC7C439C1C6}" type="datetime1">
               <a:rPr lang="es-AR" smtClean="0"/>
-              <a:t>25/nov.22</a:t>
+              <a:t>29/nov.22</a:t>
             </a:fld>
             <a:endParaRPr lang="es-AR"/>
           </a:p>
@@ -4199,7 +4199,7 @@
           <a:p>
             <a:fld id="{12B0B659-48BD-489A-B1DB-2611836A1BF3}" type="datetime1">
               <a:rPr lang="es-AR" smtClean="0"/>
-              <a:t>25/nov.22</a:t>
+              <a:t>29/nov.22</a:t>
             </a:fld>
             <a:endParaRPr lang="es-AR"/>
           </a:p>
@@ -4431,7 +4431,7 @@
           <a:p>
             <a:fld id="{2012BD2E-4DE1-43F3-9389-38F8F1A594C5}" type="datetime1">
               <a:rPr lang="es-AR" smtClean="0"/>
-              <a:t>25/nov.22</a:t>
+              <a:t>29/nov.22</a:t>
             </a:fld>
             <a:endParaRPr lang="es-AR"/>
           </a:p>
@@ -4798,7 +4798,7 @@
           <a:p>
             <a:fld id="{C40B5982-6B3C-4989-8EDA-6F8B49694493}" type="datetime1">
               <a:rPr lang="es-AR" smtClean="0"/>
-              <a:t>25/nov.22</a:t>
+              <a:t>29/nov.22</a:t>
             </a:fld>
             <a:endParaRPr lang="es-AR"/>
           </a:p>
@@ -4944,7 +4944,7 @@
           <a:p>
             <a:fld id="{BC4B7BD7-8412-49DF-88C1-6EBDC5AFB437}" type="datetime1">
               <a:rPr lang="es-AR" smtClean="0"/>
-              <a:t>25/nov.22</a:t>
+              <a:t>29/nov.22</a:t>
             </a:fld>
             <a:endParaRPr lang="es-AR"/>
           </a:p>
@@ -5039,7 +5039,7 @@
           <a:p>
             <a:fld id="{3F2EFFA2-EE5D-4D7A-8A67-E43B2E1F3BCF}" type="datetime1">
               <a:rPr lang="es-AR" smtClean="0"/>
-              <a:t>25/nov.22</a:t>
+              <a:t>29/nov.22</a:t>
             </a:fld>
             <a:endParaRPr lang="es-AR"/>
           </a:p>
@@ -5316,7 +5316,7 @@
           <a:p>
             <a:fld id="{1657CC18-C596-4B8D-B0F2-39407AF309E9}" type="datetime1">
               <a:rPr lang="es-AR" smtClean="0"/>
-              <a:t>25/nov.22</a:t>
+              <a:t>29/nov.22</a:t>
             </a:fld>
             <a:endParaRPr lang="es-AR"/>
           </a:p>
@@ -5569,7 +5569,7 @@
           <a:p>
             <a:fld id="{70E49125-F661-48D8-9660-7F121CB22E0F}" type="datetime1">
               <a:rPr lang="es-AR" smtClean="0"/>
-              <a:t>25/nov.22</a:t>
+              <a:t>29/nov.22</a:t>
             </a:fld>
             <a:endParaRPr lang="es-AR"/>
           </a:p>
@@ -5782,7 +5782,7 @@
           <a:p>
             <a:fld id="{18DEFC15-B62B-4B9A-91AC-2F8E1CBC4E3C}" type="datetime1">
               <a:rPr lang="es-AR" smtClean="0"/>
-              <a:t>25/nov.22</a:t>
+              <a:t>29/nov.22</a:t>
             </a:fld>
             <a:endParaRPr lang="es-AR"/>
           </a:p>
@@ -7383,7 +7383,7 @@
           <a:p>
             <a:fld id="{AA591B98-6277-41D2-B70A-1673F04ACFE9}" type="datetime1">
               <a:rPr lang="es-AR" smtClean="0"/>
-              <a:t>25/nov.22</a:t>
+              <a:t>29/nov.22</a:t>
             </a:fld>
             <a:endParaRPr lang="es-AR"/>
           </a:p>
@@ -8500,7 +8500,7 @@
           <a:p>
             <a:fld id="{C5CE8752-E2F2-47CF-97DC-DD84E18D0F4F}" type="datetime1">
               <a:rPr lang="es-AR" smtClean="0"/>
-              <a:t>25/nov.22</a:t>
+              <a:t>29/nov.22</a:t>
             </a:fld>
             <a:endParaRPr lang="es-AR"/>
           </a:p>
@@ -10116,7 +10116,7 @@
           <a:p>
             <a:fld id="{C7F284DD-8BD8-4AE3-AD53-DA6B95DB2724}" type="datetime1">
               <a:rPr lang="es-AR" smtClean="0"/>
-              <a:t>25/nov.22</a:t>
+              <a:t>29/nov.22</a:t>
             </a:fld>
             <a:endParaRPr lang="es-AR"/>
           </a:p>
@@ -10720,7 +10720,7 @@
           <a:p>
             <a:fld id="{684A9043-1EFE-4B98-B43D-E1961C97A46D}" type="datetime1">
               <a:rPr lang="es-AR" smtClean="0"/>
-              <a:t>25/nov.22</a:t>
+              <a:t>29/nov.22</a:t>
             </a:fld>
             <a:endParaRPr lang="es-AR"/>
           </a:p>
@@ -12363,7 +12363,7 @@
           <a:p>
             <a:fld id="{F2ABE03F-56D9-4DAA-B448-BCAE1AF83530}" type="datetime1">
               <a:rPr lang="es-AR" smtClean="0"/>
-              <a:t>25/nov.22</a:t>
+              <a:t>29/nov.22</a:t>
             </a:fld>
             <a:endParaRPr lang="es-AR"/>
           </a:p>
@@ -13125,7 +13125,7 @@
           <a:p>
             <a:fld id="{E951C919-5623-4638-8F14-AA256741F6A5}" type="datetime1">
               <a:rPr lang="es-AR" smtClean="0"/>
-              <a:t>25/nov.22</a:t>
+              <a:t>29/nov.22</a:t>
             </a:fld>
             <a:endParaRPr lang="es-AR"/>
           </a:p>
@@ -13276,7 +13276,7 @@
           <a:p>
             <a:fld id="{55A656B1-C9FD-42B0-AB20-78DD3B9FFBDA}" type="datetime1">
               <a:rPr lang="es-AR" smtClean="0"/>
-              <a:t>25/nov.22</a:t>
+              <a:t>29/nov.22</a:t>
             </a:fld>
             <a:endParaRPr lang="es-AR"/>
           </a:p>
@@ -13825,7 +13825,7 @@
           <a:p>
             <a:fld id="{E23C16FB-EA57-49DC-AABC-6B4D367E3A00}" type="datetime1">
               <a:rPr lang="es-AR" smtClean="0"/>
-              <a:t>25/nov.22</a:t>
+              <a:t>29/nov.22</a:t>
             </a:fld>
             <a:endParaRPr lang="es-AR"/>
           </a:p>
@@ -13907,29 +13907,6 @@
           <a:chExt cx="0" cy="0"/>
         </a:xfrm>
       </p:grpSpPr>
-      <p:sp>
-        <p:nvSpPr>
-          <p:cNvPr id="2" name="Título 1"/>
-          <p:cNvSpPr>
-            <a:spLocks noGrp="1"/>
-          </p:cNvSpPr>
-          <p:nvPr>
-            <p:ph type="title"/>
-          </p:nvPr>
-        </p:nvSpPr>
-        <p:spPr/>
-        <p:txBody>
-          <a:bodyPr/>
-          <a:lstStyle/>
-          <a:p>
-            <a:r>
-              <a:rPr lang="es-AR" dirty="0" smtClean="0"/>
-              <a:t>Pilares del proyecto web</a:t>
-            </a:r>
-            <a:endParaRPr lang="es-AR" dirty="0"/>
-          </a:p>
-        </p:txBody>
-      </p:sp>
       <p:grpSp>
         <p:nvGrpSpPr>
           <p:cNvPr id="6" name="Grupo 5"/>
@@ -14198,6 +14175,33 @@
       </p:sp>
       <p:sp>
         <p:nvSpPr>
+          <p:cNvPr id="2" name="Título 1"/>
+          <p:cNvSpPr>
+            <a:spLocks noGrp="1"/>
+          </p:cNvSpPr>
+          <p:nvPr>
+            <p:ph type="title"/>
+          </p:nvPr>
+        </p:nvSpPr>
+        <p:spPr/>
+        <p:txBody>
+          <a:bodyPr/>
+          <a:lstStyle/>
+          <a:p>
+            <a:r>
+              <a:rPr lang="es-AR" dirty="0" smtClean="0"/>
+              <a:t>Proyecto </a:t>
+            </a:r>
+            <a:r>
+              <a:rPr lang="es-AR" dirty="0" smtClean="0"/>
+              <a:t>web</a:t>
+            </a:r>
+            <a:endParaRPr lang="es-AR" dirty="0"/>
+          </a:p>
+        </p:txBody>
+      </p:sp>
+      <p:sp>
+        <p:nvSpPr>
           <p:cNvPr id="9" name="Flecha derecha 8"/>
           <p:cNvSpPr/>
           <p:nvPr/>
@@ -14369,7 +14373,7 @@
           <a:p>
             <a:fld id="{927297CD-6264-42C7-ABE6-86FA57CA8201}" type="datetime1">
               <a:rPr lang="es-AR" smtClean="0"/>
-              <a:t>25/nov.22</a:t>
+              <a:t>29/nov.22</a:t>
             </a:fld>
             <a:endParaRPr lang="es-AR"/>
           </a:p>
@@ -14445,6 +14449,56 @@
               <a:lumMod val="65000"/>
             </a:schemeClr>
           </a:solidFill>
+        </p:spPr>
+        <p:style>
+          <a:lnRef idx="2">
+            <a:schemeClr val="accent1">
+              <a:shade val="50000"/>
+            </a:schemeClr>
+          </a:lnRef>
+          <a:fillRef idx="1">
+            <a:schemeClr val="accent1"/>
+          </a:fillRef>
+          <a:effectRef idx="0">
+            <a:schemeClr val="accent1"/>
+          </a:effectRef>
+          <a:fontRef idx="minor">
+            <a:schemeClr val="lt1"/>
+          </a:fontRef>
+        </p:style>
+        <p:txBody>
+          <a:bodyPr rtlCol="0" anchor="ctr"/>
+          <a:lstStyle/>
+          <a:p>
+            <a:pPr algn="ctr"/>
+            <a:endParaRPr lang="es-AR"/>
+          </a:p>
+        </p:txBody>
+      </p:sp>
+      <p:sp>
+        <p:nvSpPr>
+          <p:cNvPr id="7" name="Elipse 6"/>
+          <p:cNvSpPr/>
+          <p:nvPr/>
+        </p:nvSpPr>
+        <p:spPr>
+          <a:xfrm>
+            <a:off x="2019869" y="873458"/>
+            <a:ext cx="8359413" cy="5377218"/>
+          </a:xfrm>
+          <a:prstGeom prst="ellipse">
+            <a:avLst/>
+          </a:prstGeom>
+          <a:noFill/>
+          <a:ln w="38100">
+            <a:solidFill>
+              <a:schemeClr val="accent4">
+                <a:lumMod val="20000"/>
+                <a:lumOff val="80000"/>
+              </a:schemeClr>
+            </a:solidFill>
+            <a:prstDash val="dash"/>
+          </a:ln>
         </p:spPr>
         <p:style>
           <a:lnRef idx="2">
@@ -14667,7 +14721,7 @@
           <a:p>
             <a:fld id="{7427010C-2A1D-4BE3-9336-5EA48CCE2D32}" type="datetime1">
               <a:rPr lang="es-AR" smtClean="0"/>
-              <a:t>25/nov.22</a:t>
+              <a:t>29/nov.22</a:t>
             </a:fld>
             <a:endParaRPr lang="es-AR"/>
           </a:p>
@@ -14868,7 +14922,7 @@
           <a:p>
             <a:fld id="{EB150FDE-CE14-4564-B75A-7B098249F7BF}" type="datetime1">
               <a:rPr lang="es-AR" smtClean="0"/>
-              <a:t>25/nov.22</a:t>
+              <a:t>29/nov.22</a:t>
             </a:fld>
             <a:endParaRPr lang="es-AR"/>
           </a:p>
@@ -16797,7 +16851,7 @@
           <a:p>
             <a:fld id="{6DB8CD3C-3DAA-4D3B-B403-6CEE1FEBE87F}" type="datetime1">
               <a:rPr lang="es-AR" smtClean="0"/>
-              <a:t>25/nov.22</a:t>
+              <a:t>29/nov.22</a:t>
             </a:fld>
             <a:endParaRPr lang="es-AR"/>
           </a:p>
@@ -17468,7 +17522,7 @@
           <a:p>
             <a:fld id="{EEC263DB-ED5C-4C87-B1ED-E91935869EE7}" type="datetime1">
               <a:rPr lang="es-AR" smtClean="0"/>
-              <a:t>25/nov.22</a:t>
+              <a:t>29/nov.22</a:t>
             </a:fld>
             <a:endParaRPr lang="es-AR"/>
           </a:p>
@@ -20144,7 +20198,7 @@
           <a:p>
             <a:fld id="{026729C1-673E-4729-AC71-847050BEA676}" type="datetime1">
               <a:rPr lang="es-AR" smtClean="0"/>
-              <a:t>25/nov.22</a:t>
+              <a:t>29/nov.22</a:t>
             </a:fld>
             <a:endParaRPr lang="es-AR"/>
           </a:p>
